--- a/DraftSlides/Lecture3.pptx
+++ b/DraftSlides/Lecture3.pptx
@@ -247,7 +247,7 @@
 <file path=ppt/revisionInfo.xml><?xml version="1.0" encoding="utf-8"?>
 <p1510:revInfo xmlns:a="http://schemas.openxmlformats.org/drawingml/2006/main" xmlns:r="http://schemas.openxmlformats.org/officeDocument/2006/relationships" xmlns:p1510="http://schemas.microsoft.com/office/powerpoint/2015/10/main">
   <p1510:revLst>
-    <p1510:client id="{67E76620-E995-9B4F-8777-FF6F13242BF7}" v="428" dt="2022-01-20T16:45:06.664"/>
+    <p1510:client id="{28446F0F-9C5B-450F-AD76-12B99E6C6004}" v="1" dt="2023-01-12T18:45:21.890"/>
   </p1510:revLst>
 </p1510:revInfo>
 </file>
@@ -7893,6 +7893,46 @@
             <ac:spMk id="8" creationId="{0E14A1DC-F2CD-F64B-A516-0E10067BD269}"/>
           </ac:spMkLst>
         </pc:spChg>
+      </pc:sldChg>
+    </pc:docChg>
+  </pc:docChgLst>
+  <pc:docChgLst>
+    <pc:chgData name="Khattab, Sherif" userId="c83b1e15-36f3-4f46-aceb-05aac24c545e" providerId="ADAL" clId="{28446F0F-9C5B-450F-AD76-12B99E6C6004}"/>
+    <pc:docChg chg="modSld">
+      <pc:chgData name="Khattab, Sherif" userId="c83b1e15-36f3-4f46-aceb-05aac24c545e" providerId="ADAL" clId="{28446F0F-9C5B-450F-AD76-12B99E6C6004}" dt="2023-01-12T18:45:24.105" v="4" actId="20577"/>
+      <pc:docMkLst>
+        <pc:docMk/>
+      </pc:docMkLst>
+      <pc:sldChg chg="addSp modSp mod">
+        <pc:chgData name="Khattab, Sherif" userId="c83b1e15-36f3-4f46-aceb-05aac24c545e" providerId="ADAL" clId="{28446F0F-9C5B-450F-AD76-12B99E6C6004}" dt="2023-01-12T18:45:24.105" v="4" actId="20577"/>
+        <pc:sldMkLst>
+          <pc:docMk/>
+          <pc:sldMk cId="1330366002" sldId="454"/>
+        </pc:sldMkLst>
+        <pc:spChg chg="mod">
+          <ac:chgData name="Khattab, Sherif" userId="c83b1e15-36f3-4f46-aceb-05aac24c545e" providerId="ADAL" clId="{28446F0F-9C5B-450F-AD76-12B99E6C6004}" dt="2023-01-12T18:45:21.295" v="1" actId="20577"/>
+          <ac:spMkLst>
+            <pc:docMk/>
+            <pc:sldMk cId="1330366002" sldId="454"/>
+            <ac:spMk id="2" creationId="{00000000-0000-0000-0000-000000000000}"/>
+          </ac:spMkLst>
+        </pc:spChg>
+        <pc:spChg chg="mod">
+          <ac:chgData name="Khattab, Sherif" userId="c83b1e15-36f3-4f46-aceb-05aac24c545e" providerId="ADAL" clId="{28446F0F-9C5B-450F-AD76-12B99E6C6004}" dt="2023-01-12T18:45:24.105" v="4" actId="20577"/>
+          <ac:spMkLst>
+            <pc:docMk/>
+            <pc:sldMk cId="1330366002" sldId="454"/>
+            <ac:spMk id="3" creationId="{00000000-0000-0000-0000-000000000000}"/>
+          </ac:spMkLst>
+        </pc:spChg>
+        <pc:picChg chg="add mod">
+          <ac:chgData name="Khattab, Sherif" userId="c83b1e15-36f3-4f46-aceb-05aac24c545e" providerId="ADAL" clId="{28446F0F-9C5B-450F-AD76-12B99E6C6004}" dt="2023-01-12T18:45:21.890" v="2"/>
+          <ac:picMkLst>
+            <pc:docMk/>
+            <pc:sldMk cId="1330366002" sldId="454"/>
+            <ac:picMk id="5" creationId="{B7BE26F4-059B-3B31-7257-33B9CB2BFCD9}"/>
+          </ac:picMkLst>
+        </pc:picChg>
       </pc:sldChg>
     </pc:docChg>
   </pc:docChgLst>
@@ -14182,7 +14222,7 @@
                 </a:solidFill>
                 <a:latin typeface="Helvetica" pitchFamily="2" charset="0"/>
               </a:rPr>
-              <a:t>CS/COE 1550</a:t>
+              <a:t>CS 1550</a:t>
             </a:r>
           </a:p>
         </p:txBody>
@@ -14210,9 +14250,10 @@
           <a:lstStyle/>
           <a:p>
             <a:r>
-              <a:rPr lang="en-US" dirty="0"/>
-              <a:t>Spring 2022</a:t>
+              <a:rPr lang="en-US"/>
+              <a:t>Spring 2023</a:t>
             </a:r>
+            <a:endParaRPr lang="en-US" dirty="0"/>
           </a:p>
           <a:p>
             <a:pPr eaLnBrk="1">
@@ -14402,6 +14443,53 @@
           <a:xfrm>
             <a:off x="2219325" y="201474"/>
             <a:ext cx="5619750" cy="1733550"/>
+          </a:xfrm>
+          <a:prstGeom prst="rect">
+            <a:avLst/>
+          </a:prstGeom>
+          <a:noFill/>
+          <a:extLst>
+            <a:ext uri="{909E8E84-426E-40DD-AFC4-6F175D3DCCD1}">
+              <a14:hiddenFill xmlns:a14="http://schemas.microsoft.com/office/drawing/2010/main">
+                <a:solidFill>
+                  <a:srgbClr val="FFFFFF"/>
+                </a:solidFill>
+              </a14:hiddenFill>
+            </a:ext>
+          </a:extLst>
+        </p:spPr>
+      </p:pic>
+      <p:pic>
+        <p:nvPicPr>
+          <p:cNvPr id="5" name="Picture 2">
+            <a:extLst>
+              <a:ext uri="{FF2B5EF4-FFF2-40B4-BE49-F238E27FC236}">
+                <a16:creationId xmlns:a16="http://schemas.microsoft.com/office/drawing/2014/main" id="{B7BE26F4-059B-3B31-7257-33B9CB2BFCD9}"/>
+              </a:ext>
+            </a:extLst>
+          </p:cNvPr>
+          <p:cNvPicPr>
+            <a:picLocks noChangeAspect="1" noChangeArrowheads="1"/>
+          </p:cNvPicPr>
+          <p:nvPr/>
+        </p:nvPicPr>
+        <p:blipFill>
+          <a:blip r:embed="rId4">
+            <a:extLst>
+              <a:ext uri="{28A0092B-C50C-407E-A947-70E740481C1C}">
+                <a14:useLocalDpi xmlns:a14="http://schemas.microsoft.com/office/drawing/2010/main" val="0"/>
+              </a:ext>
+            </a:extLst>
+          </a:blip>
+          <a:srcRect/>
+          <a:stretch>
+            <a:fillRect/>
+          </a:stretch>
+        </p:blipFill>
+        <p:spPr bwMode="auto">
+          <a:xfrm>
+            <a:off x="590550" y="3964453"/>
+            <a:ext cx="2349500" cy="2349500"/>
           </a:xfrm>
           <a:prstGeom prst="rect">
             <a:avLst/>
